--- a/imgs/structure_template.pptx
+++ b/imgs/structure_template.pptx
@@ -104,6 +104,11 @@
       </a:defRPr>
     </a:lvl9pPr>
   </p:defaultTextStyle>
+  <p:extLst>
+    <p:ext uri="{EFAFB233-063F-42B5-8137-9DF3F51BA10A}">
+      <p15:sldGuideLst xmlns:p15="http://schemas.microsoft.com/office/powerpoint/2012/main"/>
+    </p:ext>
+  </p:extLst>
 </p:presentation>
 </file>
 
@@ -254,7 +259,7 @@
           <a:p>
             <a:fld id="{E85C0E99-AE0C-4A92-97F9-D7769CF27581}" type="datetimeFigureOut">
               <a:rPr lang="ko-KR" altLang="en-US" smtClean="0"/>
-              <a:t>2019-07-01</a:t>
+              <a:t>2019-07-03</a:t>
             </a:fld>
             <a:endParaRPr lang="ko-KR" altLang="en-US"/>
           </a:p>
@@ -452,7 +457,7 @@
           <a:p>
             <a:fld id="{E85C0E99-AE0C-4A92-97F9-D7769CF27581}" type="datetimeFigureOut">
               <a:rPr lang="ko-KR" altLang="en-US" smtClean="0"/>
-              <a:t>2019-07-01</a:t>
+              <a:t>2019-07-03</a:t>
             </a:fld>
             <a:endParaRPr lang="ko-KR" altLang="en-US"/>
           </a:p>
@@ -660,7 +665,7 @@
           <a:p>
             <a:fld id="{E85C0E99-AE0C-4A92-97F9-D7769CF27581}" type="datetimeFigureOut">
               <a:rPr lang="ko-KR" altLang="en-US" smtClean="0"/>
-              <a:t>2019-07-01</a:t>
+              <a:t>2019-07-03</a:t>
             </a:fld>
             <a:endParaRPr lang="ko-KR" altLang="en-US"/>
           </a:p>
@@ -858,7 +863,7 @@
           <a:p>
             <a:fld id="{E85C0E99-AE0C-4A92-97F9-D7769CF27581}" type="datetimeFigureOut">
               <a:rPr lang="ko-KR" altLang="en-US" smtClean="0"/>
-              <a:t>2019-07-01</a:t>
+              <a:t>2019-07-03</a:t>
             </a:fld>
             <a:endParaRPr lang="ko-KR" altLang="en-US"/>
           </a:p>
@@ -1133,7 +1138,7 @@
           <a:p>
             <a:fld id="{E85C0E99-AE0C-4A92-97F9-D7769CF27581}" type="datetimeFigureOut">
               <a:rPr lang="ko-KR" altLang="en-US" smtClean="0"/>
-              <a:t>2019-07-01</a:t>
+              <a:t>2019-07-03</a:t>
             </a:fld>
             <a:endParaRPr lang="ko-KR" altLang="en-US"/>
           </a:p>
@@ -1398,7 +1403,7 @@
           <a:p>
             <a:fld id="{E85C0E99-AE0C-4A92-97F9-D7769CF27581}" type="datetimeFigureOut">
               <a:rPr lang="ko-KR" altLang="en-US" smtClean="0"/>
-              <a:t>2019-07-01</a:t>
+              <a:t>2019-07-03</a:t>
             </a:fld>
             <a:endParaRPr lang="ko-KR" altLang="en-US"/>
           </a:p>
@@ -1810,7 +1815,7 @@
           <a:p>
             <a:fld id="{E85C0E99-AE0C-4A92-97F9-D7769CF27581}" type="datetimeFigureOut">
               <a:rPr lang="ko-KR" altLang="en-US" smtClean="0"/>
-              <a:t>2019-07-01</a:t>
+              <a:t>2019-07-03</a:t>
             </a:fld>
             <a:endParaRPr lang="ko-KR" altLang="en-US"/>
           </a:p>
@@ -1951,7 +1956,7 @@
           <a:p>
             <a:fld id="{E85C0E99-AE0C-4A92-97F9-D7769CF27581}" type="datetimeFigureOut">
               <a:rPr lang="ko-KR" altLang="en-US" smtClean="0"/>
-              <a:t>2019-07-01</a:t>
+              <a:t>2019-07-03</a:t>
             </a:fld>
             <a:endParaRPr lang="ko-KR" altLang="en-US"/>
           </a:p>
@@ -2064,7 +2069,7 @@
           <a:p>
             <a:fld id="{E85C0E99-AE0C-4A92-97F9-D7769CF27581}" type="datetimeFigureOut">
               <a:rPr lang="ko-KR" altLang="en-US" smtClean="0"/>
-              <a:t>2019-07-01</a:t>
+              <a:t>2019-07-03</a:t>
             </a:fld>
             <a:endParaRPr lang="ko-KR" altLang="en-US"/>
           </a:p>
@@ -2375,7 +2380,7 @@
           <a:p>
             <a:fld id="{E85C0E99-AE0C-4A92-97F9-D7769CF27581}" type="datetimeFigureOut">
               <a:rPr lang="ko-KR" altLang="en-US" smtClean="0"/>
-              <a:t>2019-07-01</a:t>
+              <a:t>2019-07-03</a:t>
             </a:fld>
             <a:endParaRPr lang="ko-KR" altLang="en-US"/>
           </a:p>
@@ -2663,7 +2668,7 @@
           <a:p>
             <a:fld id="{E85C0E99-AE0C-4A92-97F9-D7769CF27581}" type="datetimeFigureOut">
               <a:rPr lang="ko-KR" altLang="en-US" smtClean="0"/>
-              <a:t>2019-07-01</a:t>
+              <a:t>2019-07-03</a:t>
             </a:fld>
             <a:endParaRPr lang="ko-KR" altLang="en-US"/>
           </a:p>
@@ -2904,7 +2909,7 @@
           <a:p>
             <a:fld id="{E85C0E99-AE0C-4A92-97F9-D7769CF27581}" type="datetimeFigureOut">
               <a:rPr lang="ko-KR" altLang="en-US" smtClean="0"/>
-              <a:t>2019-07-01</a:t>
+              <a:t>2019-07-03</a:t>
             </a:fld>
             <a:endParaRPr lang="ko-KR" altLang="en-US"/>
           </a:p>
@@ -3477,7 +3482,7 @@
         <p:spPr>
           <a:xfrm>
             <a:off x="1351985" y="3507540"/>
-            <a:ext cx="721672" cy="523220"/>
+            <a:ext cx="736099" cy="523220"/>
           </a:xfrm>
           <a:prstGeom prst="rect">
             <a:avLst/>
@@ -3491,10 +3496,16 @@
           <a:lstStyle/>
           <a:p>
             <a:r>
-              <a:rPr lang="en-US" altLang="ko-KR" sz="2800" dirty="0"/>
+              <a:rPr lang="en-US" altLang="ko-KR" sz="2800" dirty="0">
+                <a:latin typeface="SpoqaHanSans-Regular" panose="020B0500000000000000" pitchFamily="50" charset="-127"/>
+                <a:ea typeface="SpoqaHanSans-Regular" panose="020B0500000000000000" pitchFamily="50" charset="-127"/>
+              </a:rPr>
               <a:t>API</a:t>
             </a:r>
-            <a:endParaRPr lang="ko-KR" altLang="en-US" sz="2800" dirty="0"/>
+            <a:endParaRPr lang="ko-KR" altLang="en-US" sz="2800" dirty="0">
+              <a:latin typeface="SpoqaHanSans-Regular" panose="020B0500000000000000" pitchFamily="50" charset="-127"/>
+              <a:ea typeface="SpoqaHanSans-Regular" panose="020B0500000000000000" pitchFamily="50" charset="-127"/>
+            </a:endParaRPr>
           </a:p>
         </p:txBody>
       </p:sp>
@@ -3574,7 +3585,7 @@
         </p:blipFill>
         <p:spPr bwMode="auto">
           <a:xfrm>
-            <a:off x="9600871" y="2479559"/>
+            <a:off x="9130971" y="2479559"/>
             <a:ext cx="471846" cy="486485"/>
           </a:xfrm>
           <a:prstGeom prst="rect">
@@ -3664,7 +3675,10 @@
             <a:lstStyle/>
             <a:p>
               <a:pPr algn="ctr"/>
-              <a:endParaRPr lang="ko-KR" altLang="en-US"/>
+              <a:endParaRPr lang="ko-KR" altLang="en-US">
+                <a:latin typeface="SpoqaHanSans-Regular" panose="020B0500000000000000" pitchFamily="50" charset="-127"/>
+                <a:ea typeface="SpoqaHanSans-Regular" panose="020B0500000000000000" pitchFamily="50" charset="-127"/>
+              </a:endParaRPr>
             </a:p>
           </p:txBody>
         </p:sp>
@@ -3720,7 +3734,10 @@
             <a:lstStyle/>
             <a:p>
               <a:pPr algn="ctr"/>
-              <a:endParaRPr lang="ko-KR" altLang="en-US"/>
+              <a:endParaRPr lang="ko-KR" altLang="en-US">
+                <a:latin typeface="SpoqaHanSans-Regular" panose="020B0500000000000000" pitchFamily="50" charset="-127"/>
+                <a:ea typeface="SpoqaHanSans-Regular" panose="020B0500000000000000" pitchFamily="50" charset="-127"/>
+              </a:endParaRPr>
             </a:p>
           </p:txBody>
         </p:sp>
@@ -3740,7 +3757,7 @@
         <p:spPr>
           <a:xfrm>
             <a:off x="3189278" y="4104607"/>
-            <a:ext cx="914400" cy="369332"/>
+            <a:ext cx="1009254" cy="369332"/>
           </a:xfrm>
           <a:prstGeom prst="rect">
             <a:avLst/>
@@ -3754,10 +3771,16 @@
           <a:lstStyle/>
           <a:p>
             <a:r>
-              <a:rPr lang="en-US" altLang="ko-KR" dirty="0"/>
+              <a:rPr lang="en-US" altLang="ko-KR" dirty="0">
+                <a:latin typeface="SpoqaHanSans-Regular" panose="020B0500000000000000" pitchFamily="50" charset="-127"/>
+                <a:ea typeface="SpoqaHanSans-Regular" panose="020B0500000000000000" pitchFamily="50" charset="-127"/>
+              </a:rPr>
               <a:t>airflow</a:t>
             </a:r>
-            <a:endParaRPr lang="ko-KR" altLang="en-US" dirty="0"/>
+            <a:endParaRPr lang="ko-KR" altLang="en-US" dirty="0">
+              <a:latin typeface="SpoqaHanSans-Regular" panose="020B0500000000000000" pitchFamily="50" charset="-127"/>
+              <a:ea typeface="SpoqaHanSans-Regular" panose="020B0500000000000000" pitchFamily="50" charset="-127"/>
+            </a:endParaRPr>
           </a:p>
         </p:txBody>
       </p:sp>
@@ -3776,7 +3799,7 @@
         <p:spPr>
           <a:xfrm>
             <a:off x="9304404" y="4023644"/>
-            <a:ext cx="1064779" cy="369332"/>
+            <a:ext cx="1114408" cy="369332"/>
           </a:xfrm>
           <a:prstGeom prst="rect">
             <a:avLst/>
@@ -3790,10 +3813,16 @@
           <a:lstStyle/>
           <a:p>
             <a:r>
-              <a:rPr lang="en-US" altLang="ko-KR" dirty="0"/>
+              <a:rPr lang="en-US" altLang="ko-KR" dirty="0">
+                <a:latin typeface="SpoqaHanSans-Regular" panose="020B0500000000000000" pitchFamily="50" charset="-127"/>
+                <a:ea typeface="SpoqaHanSans-Regular" panose="020B0500000000000000" pitchFamily="50" charset="-127"/>
+              </a:rPr>
               <a:t>superset</a:t>
             </a:r>
-            <a:endParaRPr lang="ko-KR" altLang="en-US" dirty="0"/>
+            <a:endParaRPr lang="ko-KR" altLang="en-US" dirty="0">
+              <a:latin typeface="SpoqaHanSans-Regular" panose="020B0500000000000000" pitchFamily="50" charset="-127"/>
+              <a:ea typeface="SpoqaHanSans-Regular" panose="020B0500000000000000" pitchFamily="50" charset="-127"/>
+            </a:endParaRPr>
           </a:p>
         </p:txBody>
       </p:sp>
@@ -3826,10 +3855,16 @@
           <a:lstStyle/>
           <a:p>
             <a:r>
-              <a:rPr lang="en-US" altLang="ko-KR" sz="1200" dirty="0"/>
+              <a:rPr lang="en-US" altLang="ko-KR" sz="1200" dirty="0">
+                <a:latin typeface="SpoqaHanSans-Regular" panose="020B0500000000000000" pitchFamily="50" charset="-127"/>
+                <a:ea typeface="SpoqaHanSans-Regular" panose="020B0500000000000000" pitchFamily="50" charset="-127"/>
+              </a:rPr>
               <a:t>meta DB</a:t>
             </a:r>
-            <a:endParaRPr lang="ko-KR" altLang="en-US" sz="1200" dirty="0"/>
+            <a:endParaRPr lang="ko-KR" altLang="en-US" sz="1200" dirty="0">
+              <a:latin typeface="SpoqaHanSans-Regular" panose="020B0500000000000000" pitchFamily="50" charset="-127"/>
+              <a:ea typeface="SpoqaHanSans-Regular" panose="020B0500000000000000" pitchFamily="50" charset="-127"/>
+            </a:endParaRPr>
           </a:p>
         </p:txBody>
       </p:sp>
@@ -3847,7 +3882,7 @@
         </p:nvSpPr>
         <p:spPr>
           <a:xfrm>
-            <a:off x="9463729" y="2216641"/>
+            <a:off x="8993829" y="2216641"/>
             <a:ext cx="848300" cy="276999"/>
           </a:xfrm>
           <a:prstGeom prst="rect">
@@ -3862,10 +3897,16 @@
           <a:lstStyle/>
           <a:p>
             <a:r>
-              <a:rPr lang="en-US" altLang="ko-KR" sz="1200" dirty="0"/>
+              <a:rPr lang="en-US" altLang="ko-KR" sz="1200" dirty="0">
+                <a:latin typeface="SpoqaHanSans-Regular" panose="020B0500000000000000" pitchFamily="50" charset="-127"/>
+                <a:ea typeface="SpoqaHanSans-Regular" panose="020B0500000000000000" pitchFamily="50" charset="-127"/>
+              </a:rPr>
               <a:t>meta DB</a:t>
             </a:r>
-            <a:endParaRPr lang="ko-KR" altLang="en-US" sz="1200" dirty="0"/>
+            <a:endParaRPr lang="ko-KR" altLang="en-US" sz="1200" dirty="0">
+              <a:latin typeface="SpoqaHanSans-Regular" panose="020B0500000000000000" pitchFamily="50" charset="-127"/>
+              <a:ea typeface="SpoqaHanSans-Regular" panose="020B0500000000000000" pitchFamily="50" charset="-127"/>
+            </a:endParaRPr>
           </a:p>
         </p:txBody>
       </p:sp>
@@ -3883,8 +3924,8 @@
         </p:nvSpPr>
         <p:spPr>
           <a:xfrm>
-            <a:off x="9133595" y="2216641"/>
-            <a:ext cx="1416900" cy="2257298"/>
+            <a:off x="9004820" y="2216641"/>
+            <a:ext cx="1545675" cy="2257298"/>
           </a:xfrm>
           <a:prstGeom prst="rect">
             <a:avLst/>
@@ -3919,7 +3960,10 @@
           <a:lstStyle/>
           <a:p>
             <a:pPr algn="ctr"/>
-            <a:endParaRPr lang="ko-KR" altLang="en-US"/>
+            <a:endParaRPr lang="ko-KR" altLang="en-US">
+              <a:latin typeface="SpoqaHanSans-Regular" panose="020B0500000000000000" pitchFamily="50" charset="-127"/>
+              <a:ea typeface="SpoqaHanSans-Regular" panose="020B0500000000000000" pitchFamily="50" charset="-127"/>
+            </a:endParaRPr>
           </a:p>
         </p:txBody>
       </p:sp>
@@ -3973,7 +4017,10 @@
           <a:lstStyle/>
           <a:p>
             <a:pPr algn="ctr"/>
-            <a:endParaRPr lang="ko-KR" altLang="en-US"/>
+            <a:endParaRPr lang="ko-KR" altLang="en-US">
+              <a:latin typeface="SpoqaHanSans-Regular" panose="020B0500000000000000" pitchFamily="50" charset="-127"/>
+              <a:ea typeface="SpoqaHanSans-Regular" panose="020B0500000000000000" pitchFamily="50" charset="-127"/>
+            </a:endParaRPr>
           </a:p>
         </p:txBody>
       </p:sp>
@@ -4099,10 +4146,16 @@
           <a:lstStyle/>
           <a:p>
             <a:r>
-              <a:rPr lang="en-US" altLang="ko-KR" dirty="0"/>
+              <a:rPr lang="en-US" altLang="ko-KR" dirty="0">
+                <a:latin typeface="SpoqaHanSans-Regular" panose="020B0500000000000000" pitchFamily="50" charset="-127"/>
+                <a:ea typeface="SpoqaHanSans-Regular" panose="020B0500000000000000" pitchFamily="50" charset="-127"/>
+              </a:rPr>
               <a:t>DATA DB</a:t>
             </a:r>
-            <a:endParaRPr lang="ko-KR" altLang="en-US" dirty="0"/>
+            <a:endParaRPr lang="ko-KR" altLang="en-US" dirty="0">
+              <a:latin typeface="SpoqaHanSans-Regular" panose="020B0500000000000000" pitchFamily="50" charset="-127"/>
+              <a:ea typeface="SpoqaHanSans-Regular" panose="020B0500000000000000" pitchFamily="50" charset="-127"/>
+            </a:endParaRPr>
           </a:p>
         </p:txBody>
       </p:sp>
@@ -4161,7 +4214,10 @@
           <a:lstStyle/>
           <a:p>
             <a:pPr algn="ctr"/>
-            <a:endParaRPr lang="ko-KR" altLang="en-US"/>
+            <a:endParaRPr lang="ko-KR" altLang="en-US">
+              <a:latin typeface="SpoqaHanSans-Regular" panose="020B0500000000000000" pitchFamily="50" charset="-127"/>
+              <a:ea typeface="SpoqaHanSans-Regular" panose="020B0500000000000000" pitchFamily="50" charset="-127"/>
+            </a:endParaRPr>
           </a:p>
         </p:txBody>
       </p:sp>
@@ -4179,7 +4235,7 @@
         </p:nvGrpSpPr>
         <p:grpSpPr>
           <a:xfrm>
-            <a:off x="9653508" y="3021042"/>
+            <a:off x="9236245" y="3021042"/>
             <a:ext cx="366572" cy="324745"/>
             <a:chOff x="3451850" y="2823267"/>
             <a:chExt cx="366572" cy="324745"/>
@@ -4237,7 +4293,10 @@
             <a:lstStyle/>
             <a:p>
               <a:pPr algn="ctr"/>
-              <a:endParaRPr lang="ko-KR" altLang="en-US"/>
+              <a:endParaRPr lang="ko-KR" altLang="en-US">
+                <a:latin typeface="SpoqaHanSans-Regular" panose="020B0500000000000000" pitchFamily="50" charset="-127"/>
+                <a:ea typeface="SpoqaHanSans-Regular" panose="020B0500000000000000" pitchFamily="50" charset="-127"/>
+              </a:endParaRPr>
             </a:p>
           </p:txBody>
         </p:sp>
@@ -4293,7 +4352,10 @@
             <a:lstStyle/>
             <a:p>
               <a:pPr algn="ctr"/>
-              <a:endParaRPr lang="ko-KR" altLang="en-US"/>
+              <a:endParaRPr lang="ko-KR" altLang="en-US">
+                <a:latin typeface="SpoqaHanSans-Regular" panose="020B0500000000000000" pitchFamily="50" charset="-127"/>
+                <a:ea typeface="SpoqaHanSans-Regular" panose="020B0500000000000000" pitchFamily="50" charset="-127"/>
+              </a:endParaRPr>
             </a:p>
           </p:txBody>
         </p:sp>
@@ -4348,7 +4410,10 @@
           <a:lstStyle/>
           <a:p>
             <a:pPr algn="ctr"/>
-            <a:endParaRPr lang="ko-KR" altLang="en-US"/>
+            <a:endParaRPr lang="ko-KR" altLang="en-US">
+              <a:latin typeface="SpoqaHanSans-Regular" panose="020B0500000000000000" pitchFamily="50" charset="-127"/>
+              <a:ea typeface="SpoqaHanSans-Regular" panose="020B0500000000000000" pitchFamily="50" charset="-127"/>
+            </a:endParaRPr>
           </a:p>
         </p:txBody>
       </p:sp>
@@ -4449,7 +4514,10 @@
           <a:lstStyle/>
           <a:p>
             <a:pPr algn="ctr"/>
-            <a:endParaRPr lang="ko-KR" altLang="en-US"/>
+            <a:endParaRPr lang="ko-KR" altLang="en-US">
+              <a:latin typeface="SpoqaHanSans-Regular" panose="020B0500000000000000" pitchFamily="50" charset="-127"/>
+              <a:ea typeface="SpoqaHanSans-Regular" panose="020B0500000000000000" pitchFamily="50" charset="-127"/>
+            </a:endParaRPr>
           </a:p>
         </p:txBody>
       </p:sp>
@@ -4508,7 +4576,10 @@
           <a:lstStyle/>
           <a:p>
             <a:pPr algn="ctr"/>
-            <a:endParaRPr lang="ko-KR" altLang="en-US"/>
+            <a:endParaRPr lang="ko-KR" altLang="en-US">
+              <a:latin typeface="SpoqaHanSans-Regular" panose="020B0500000000000000" pitchFamily="50" charset="-127"/>
+              <a:ea typeface="SpoqaHanSans-Regular" panose="020B0500000000000000" pitchFamily="50" charset="-127"/>
+            </a:endParaRPr>
           </a:p>
         </p:txBody>
       </p:sp>
@@ -4567,7 +4638,10 @@
           <a:lstStyle/>
           <a:p>
             <a:pPr algn="ctr"/>
-            <a:endParaRPr lang="ko-KR" altLang="en-US"/>
+            <a:endParaRPr lang="ko-KR" altLang="en-US">
+              <a:latin typeface="SpoqaHanSans-Regular" panose="020B0500000000000000" pitchFamily="50" charset="-127"/>
+              <a:ea typeface="SpoqaHanSans-Regular" panose="020B0500000000000000" pitchFamily="50" charset="-127"/>
+            </a:endParaRPr>
           </a:p>
         </p:txBody>
       </p:sp>
@@ -4626,7 +4700,10 @@
           <a:lstStyle/>
           <a:p>
             <a:pPr algn="ctr"/>
-            <a:endParaRPr lang="ko-KR" altLang="en-US"/>
+            <a:endParaRPr lang="ko-KR" altLang="en-US">
+              <a:latin typeface="SpoqaHanSans-Regular" panose="020B0500000000000000" pitchFamily="50" charset="-127"/>
+              <a:ea typeface="SpoqaHanSans-Regular" panose="020B0500000000000000" pitchFamily="50" charset="-127"/>
+            </a:endParaRPr>
           </a:p>
         </p:txBody>
       </p:sp>
@@ -4685,7 +4762,10 @@
           <a:lstStyle/>
           <a:p>
             <a:pPr algn="ctr"/>
-            <a:endParaRPr lang="ko-KR" altLang="en-US"/>
+            <a:endParaRPr lang="ko-KR" altLang="en-US">
+              <a:latin typeface="SpoqaHanSans-Regular" panose="020B0500000000000000" pitchFamily="50" charset="-127"/>
+              <a:ea typeface="SpoqaHanSans-Regular" panose="020B0500000000000000" pitchFamily="50" charset="-127"/>
+            </a:endParaRPr>
           </a:p>
         </p:txBody>
       </p:sp>
@@ -4739,7 +4819,226 @@
           <a:lstStyle/>
           <a:p>
             <a:pPr algn="ctr"/>
-            <a:endParaRPr lang="ko-KR" altLang="en-US"/>
+            <a:endParaRPr lang="ko-KR" altLang="en-US">
+              <a:latin typeface="SpoqaHanSans-Regular" panose="020B0500000000000000" pitchFamily="50" charset="-127"/>
+              <a:ea typeface="SpoqaHanSans-Regular" panose="020B0500000000000000" pitchFamily="50" charset="-127"/>
+            </a:endParaRPr>
+          </a:p>
+        </p:txBody>
+      </p:sp>
+      <p:pic>
+        <p:nvPicPr>
+          <p:cNvPr id="3" name="그림 2">
+            <a:extLst>
+              <a:ext uri="{FF2B5EF4-FFF2-40B4-BE49-F238E27FC236}">
+                <a16:creationId xmlns:a16="http://schemas.microsoft.com/office/drawing/2014/main" id="{CC53C8CF-B051-4A9B-900F-64C290173A8E}"/>
+              </a:ext>
+            </a:extLst>
+          </p:cNvPr>
+          <p:cNvPicPr>
+            <a:picLocks noChangeAspect="1"/>
+          </p:cNvPicPr>
+          <p:nvPr/>
+        </p:nvPicPr>
+        <p:blipFill rotWithShape="1">
+          <a:blip r:embed="rId7">
+            <a:extLst>
+              <a:ext uri="{28A0092B-C50C-407E-A947-70E740481C1C}">
+                <a14:useLocalDpi xmlns:a14="http://schemas.microsoft.com/office/drawing/2010/main" val="0"/>
+              </a:ext>
+            </a:extLst>
+          </a:blip>
+          <a:srcRect r="61774"/>
+          <a:stretch/>
+        </p:blipFill>
+        <p:spPr>
+          <a:xfrm>
+            <a:off x="9981264" y="2539776"/>
+            <a:ext cx="419770" cy="366050"/>
+          </a:xfrm>
+          <a:prstGeom prst="rect">
+            <a:avLst/>
+          </a:prstGeom>
+        </p:spPr>
+      </p:pic>
+      <p:grpSp>
+        <p:nvGrpSpPr>
+          <p:cNvPr id="37" name="그룹 36">
+            <a:extLst>
+              <a:ext uri="{FF2B5EF4-FFF2-40B4-BE49-F238E27FC236}">
+                <a16:creationId xmlns:a16="http://schemas.microsoft.com/office/drawing/2014/main" id="{A229246B-4BB3-4232-8698-8DCF5850A797}"/>
+              </a:ext>
+            </a:extLst>
+          </p:cNvPr>
+          <p:cNvGrpSpPr/>
+          <p:nvPr/>
+        </p:nvGrpSpPr>
+        <p:grpSpPr>
+          <a:xfrm>
+            <a:off x="10003481" y="3021042"/>
+            <a:ext cx="366572" cy="324745"/>
+            <a:chOff x="3451850" y="2823267"/>
+            <a:chExt cx="366572" cy="324745"/>
+          </a:xfrm>
+        </p:grpSpPr>
+        <p:sp>
+          <p:nvSpPr>
+            <p:cNvPr id="40" name="화살표: 오른쪽 39">
+              <a:extLst>
+                <a:ext uri="{FF2B5EF4-FFF2-40B4-BE49-F238E27FC236}">
+                  <a16:creationId xmlns:a16="http://schemas.microsoft.com/office/drawing/2014/main" id="{E03C7800-9F85-419F-9D08-C6281B0042BE}"/>
+                </a:ext>
+              </a:extLst>
+            </p:cNvPr>
+            <p:cNvSpPr/>
+            <p:nvPr/>
+          </p:nvSpPr>
+          <p:spPr>
+            <a:xfrm rot="16200000">
+              <a:off x="3355577" y="2919540"/>
+              <a:ext cx="324745" cy="132199"/>
+            </a:xfrm>
+            <a:prstGeom prst="rightArrow">
+              <a:avLst/>
+            </a:prstGeom>
+            <a:solidFill>
+              <a:schemeClr val="bg2">
+                <a:lumMod val="75000"/>
+              </a:schemeClr>
+            </a:solidFill>
+            <a:ln>
+              <a:solidFill>
+                <a:schemeClr val="bg2"/>
+              </a:solidFill>
+            </a:ln>
+          </p:spPr>
+          <p:style>
+            <a:lnRef idx="2">
+              <a:schemeClr val="accent1">
+                <a:shade val="50000"/>
+              </a:schemeClr>
+            </a:lnRef>
+            <a:fillRef idx="1">
+              <a:schemeClr val="accent1"/>
+            </a:fillRef>
+            <a:effectRef idx="0">
+              <a:schemeClr val="accent1"/>
+            </a:effectRef>
+            <a:fontRef idx="minor">
+              <a:schemeClr val="lt1"/>
+            </a:fontRef>
+          </p:style>
+          <p:txBody>
+            <a:bodyPr rtlCol="0" anchor="ctr"/>
+            <a:lstStyle/>
+            <a:p>
+              <a:pPr algn="ctr"/>
+              <a:endParaRPr lang="ko-KR" altLang="en-US">
+                <a:latin typeface="SpoqaHanSans-Regular" panose="020B0500000000000000" pitchFamily="50" charset="-127"/>
+                <a:ea typeface="SpoqaHanSans-Regular" panose="020B0500000000000000" pitchFamily="50" charset="-127"/>
+              </a:endParaRPr>
+            </a:p>
+          </p:txBody>
+        </p:sp>
+        <p:sp>
+          <p:nvSpPr>
+            <p:cNvPr id="43" name="화살표: 오른쪽 42">
+              <a:extLst>
+                <a:ext uri="{FF2B5EF4-FFF2-40B4-BE49-F238E27FC236}">
+                  <a16:creationId xmlns:a16="http://schemas.microsoft.com/office/drawing/2014/main" id="{D6830EBB-6C79-4816-8BB8-DB4195EE8F8B}"/>
+                </a:ext>
+              </a:extLst>
+            </p:cNvPr>
+            <p:cNvSpPr/>
+            <p:nvPr/>
+          </p:nvSpPr>
+          <p:spPr>
+            <a:xfrm rot="5400000">
+              <a:off x="3594717" y="2924307"/>
+              <a:ext cx="315209" cy="132200"/>
+            </a:xfrm>
+            <a:prstGeom prst="rightArrow">
+              <a:avLst/>
+            </a:prstGeom>
+            <a:solidFill>
+              <a:schemeClr val="bg2">
+                <a:lumMod val="75000"/>
+              </a:schemeClr>
+            </a:solidFill>
+            <a:ln>
+              <a:solidFill>
+                <a:schemeClr val="bg2"/>
+              </a:solidFill>
+            </a:ln>
+          </p:spPr>
+          <p:style>
+            <a:lnRef idx="2">
+              <a:schemeClr val="accent1">
+                <a:shade val="50000"/>
+              </a:schemeClr>
+            </a:lnRef>
+            <a:fillRef idx="1">
+              <a:schemeClr val="accent1"/>
+            </a:fillRef>
+            <a:effectRef idx="0">
+              <a:schemeClr val="accent1"/>
+            </a:effectRef>
+            <a:fontRef idx="minor">
+              <a:schemeClr val="lt1"/>
+            </a:fontRef>
+          </p:style>
+          <p:txBody>
+            <a:bodyPr rtlCol="0" anchor="ctr"/>
+            <a:lstStyle/>
+            <a:p>
+              <a:pPr algn="ctr"/>
+              <a:endParaRPr lang="ko-KR" altLang="en-US">
+                <a:latin typeface="SpoqaHanSans-Regular" panose="020B0500000000000000" pitchFamily="50" charset="-127"/>
+                <a:ea typeface="SpoqaHanSans-Regular" panose="020B0500000000000000" pitchFamily="50" charset="-127"/>
+              </a:endParaRPr>
+            </a:p>
+          </p:txBody>
+        </p:sp>
+      </p:grpSp>
+      <p:sp>
+        <p:nvSpPr>
+          <p:cNvPr id="44" name="TextBox 43">
+            <a:extLst>
+              <a:ext uri="{FF2B5EF4-FFF2-40B4-BE49-F238E27FC236}">
+                <a16:creationId xmlns:a16="http://schemas.microsoft.com/office/drawing/2014/main" id="{B9AD17DC-E1EA-436E-BB71-3FF69E121BD3}"/>
+              </a:ext>
+            </a:extLst>
+          </p:cNvPr>
+          <p:cNvSpPr txBox="1"/>
+          <p:nvPr/>
+        </p:nvSpPr>
+        <p:spPr>
+          <a:xfrm>
+            <a:off x="9879802" y="2216641"/>
+            <a:ext cx="848300" cy="276999"/>
+          </a:xfrm>
+          <a:prstGeom prst="rect">
+            <a:avLst/>
+          </a:prstGeom>
+          <a:noFill/>
+        </p:spPr>
+        <p:txBody>
+          <a:bodyPr wrap="square" rtlCol="0">
+            <a:spAutoFit/>
+          </a:bodyPr>
+          <a:lstStyle/>
+          <a:p>
+            <a:r>
+              <a:rPr lang="en-US" altLang="ko-KR" sz="1200" dirty="0">
+                <a:latin typeface="SpoqaHanSans-Regular" panose="020B0500000000000000" pitchFamily="50" charset="-127"/>
+                <a:ea typeface="SpoqaHanSans-Regular" panose="020B0500000000000000" pitchFamily="50" charset="-127"/>
+              </a:rPr>
+              <a:t>cache</a:t>
+            </a:r>
+            <a:endParaRPr lang="ko-KR" altLang="en-US" sz="1200" dirty="0">
+              <a:latin typeface="SpoqaHanSans-Regular" panose="020B0500000000000000" pitchFamily="50" charset="-127"/>
+              <a:ea typeface="SpoqaHanSans-Regular" panose="020B0500000000000000" pitchFamily="50" charset="-127"/>
+            </a:endParaRPr>
           </a:p>
         </p:txBody>
       </p:sp>
